--- a/PPT/DeepLearning16-Optimizations.pptx
+++ b/PPT/DeepLearning16-Optimizations.pptx
@@ -616,35 +616,35 @@
           <a:p>
             <a:pPr lvl="0"/>
             <a:r>
-              <a:rPr lang="fr-FR" noProof="0" smtClean="0"/>
+              <a:rPr lang="fr-FR" noProof="0"/>
               <a:t>Cliquez pour modifier les styles du texte du masque</a:t>
             </a:r>
           </a:p>
           <a:p>
             <a:pPr lvl="1"/>
             <a:r>
-              <a:rPr lang="fr-FR" noProof="0" smtClean="0"/>
+              <a:rPr lang="fr-FR" noProof="0"/>
               <a:t>Deuxième niveau</a:t>
             </a:r>
           </a:p>
           <a:p>
             <a:pPr lvl="2"/>
             <a:r>
-              <a:rPr lang="fr-FR" noProof="0" smtClean="0"/>
+              <a:rPr lang="fr-FR" noProof="0"/>
               <a:t>Troisième niveau</a:t>
             </a:r>
           </a:p>
           <a:p>
             <a:pPr lvl="3"/>
             <a:r>
-              <a:rPr lang="fr-FR" noProof="0" smtClean="0"/>
+              <a:rPr lang="fr-FR" noProof="0"/>
               <a:t>Quatrième niveau</a:t>
             </a:r>
           </a:p>
           <a:p>
             <a:pPr lvl="4"/>
             <a:r>
-              <a:rPr lang="fr-FR" noProof="0" smtClean="0"/>
+              <a:rPr lang="fr-FR" noProof="0"/>
               <a:t>Cinquième niveau</a:t>
             </a:r>
           </a:p>
@@ -932,10 +932,9 @@
           <a:lstStyle/>
           <a:p>
             <a:r>
-              <a:rPr lang="fr-FR" smtClean="0"/>
+              <a:rPr lang="fr-FR"/>
               <a:t>Cliquez pour modifier le style du titre</a:t>
             </a:r>
-            <a:endParaRPr lang="fr-FR"/>
           </a:p>
         </p:txBody>
       </p:sp>
@@ -997,10 +996,9 @@
           </a:lstStyle>
           <a:p>
             <a:r>
-              <a:rPr lang="fr-FR" smtClean="0"/>
+              <a:rPr lang="fr-FR"/>
               <a:t>Cliquez pour modifier le style des sous-titres du masque</a:t>
             </a:r>
-            <a:endParaRPr lang="fr-FR"/>
           </a:p>
         </p:txBody>
       </p:sp>
@@ -1055,10 +1053,9 @@
           <a:lstStyle/>
           <a:p>
             <a:r>
-              <a:rPr lang="fr-FR" smtClean="0"/>
+              <a:rPr lang="fr-FR"/>
               <a:t>Cliquez pour modifier le style du titre</a:t>
             </a:r>
-            <a:endParaRPr lang="fr-FR"/>
           </a:p>
         </p:txBody>
       </p:sp>
@@ -1084,38 +1081,37 @@
           <a:p>
             <a:pPr lvl="0"/>
             <a:r>
-              <a:rPr lang="fr-FR" smtClean="0"/>
+              <a:rPr lang="fr-FR"/>
               <a:t>Cliquez pour modifier les styles du texte du masque</a:t>
             </a:r>
           </a:p>
           <a:p>
             <a:pPr lvl="1"/>
             <a:r>
-              <a:rPr lang="fr-FR" smtClean="0"/>
+              <a:rPr lang="fr-FR"/>
               <a:t>Deuxième niveau</a:t>
             </a:r>
           </a:p>
           <a:p>
             <a:pPr lvl="2"/>
             <a:r>
-              <a:rPr lang="fr-FR" smtClean="0"/>
+              <a:rPr lang="fr-FR"/>
               <a:t>Troisième niveau</a:t>
             </a:r>
           </a:p>
           <a:p>
             <a:pPr lvl="3"/>
             <a:r>
-              <a:rPr lang="fr-FR" smtClean="0"/>
+              <a:rPr lang="fr-FR"/>
               <a:t>Quatrième niveau</a:t>
             </a:r>
           </a:p>
           <a:p>
             <a:pPr lvl="4"/>
             <a:r>
-              <a:rPr lang="fr-FR" smtClean="0"/>
+              <a:rPr lang="fr-FR"/>
               <a:t>Cinquième niveau</a:t>
             </a:r>
-            <a:endParaRPr lang="fr-FR"/>
           </a:p>
         </p:txBody>
       </p:sp>
@@ -1174,10 +1170,9 @@
           </a:lstStyle>
           <a:p>
             <a:r>
-              <a:rPr lang="fr-FR" dirty="0" smtClean="0"/>
+              <a:rPr lang="fr-FR" dirty="0"/>
               <a:t>Cliquez pour modifier le style du titre</a:t>
             </a:r>
-            <a:endParaRPr lang="fr-FR" dirty="0"/>
           </a:p>
         </p:txBody>
       </p:sp>
@@ -1203,38 +1198,37 @@
           <a:p>
             <a:pPr lvl="0"/>
             <a:r>
-              <a:rPr lang="fr-FR" dirty="0" smtClean="0"/>
+              <a:rPr lang="fr-FR" dirty="0"/>
               <a:t>Cliquez pour modifier les styles du texte du masque</a:t>
             </a:r>
           </a:p>
           <a:p>
             <a:pPr lvl="1"/>
             <a:r>
-              <a:rPr lang="fr-FR" dirty="0" smtClean="0"/>
+              <a:rPr lang="fr-FR" dirty="0"/>
               <a:t>Deuxième niveau</a:t>
             </a:r>
           </a:p>
           <a:p>
             <a:pPr lvl="2"/>
             <a:r>
-              <a:rPr lang="fr-FR" dirty="0" smtClean="0"/>
+              <a:rPr lang="fr-FR" dirty="0"/>
               <a:t>Troisième niveau</a:t>
             </a:r>
           </a:p>
           <a:p>
             <a:pPr lvl="3"/>
             <a:r>
-              <a:rPr lang="fr-FR" dirty="0" smtClean="0"/>
+              <a:rPr lang="fr-FR" dirty="0"/>
               <a:t>Quatrième niveau</a:t>
             </a:r>
           </a:p>
           <a:p>
             <a:pPr lvl="4"/>
             <a:r>
-              <a:rPr lang="fr-FR" dirty="0" smtClean="0"/>
+              <a:rPr lang="fr-FR" dirty="0"/>
               <a:t>Cinquième niveau</a:t>
             </a:r>
-            <a:endParaRPr lang="fr-FR" dirty="0"/>
           </a:p>
         </p:txBody>
       </p:sp>
@@ -1284,10 +1278,9 @@
           <a:lstStyle/>
           <a:p>
             <a:r>
-              <a:rPr lang="fr-FR" smtClean="0"/>
+              <a:rPr lang="fr-FR"/>
               <a:t>Cliquez pour modifier le style du titre</a:t>
             </a:r>
-            <a:endParaRPr lang="fr-FR"/>
           </a:p>
         </p:txBody>
       </p:sp>
@@ -1341,38 +1334,37 @@
           <a:p>
             <a:pPr lvl="0"/>
             <a:r>
-              <a:rPr lang="fr-FR" smtClean="0"/>
+              <a:rPr lang="fr-FR"/>
               <a:t>Cliquez pour modifier les styles du texte du masque</a:t>
             </a:r>
           </a:p>
           <a:p>
             <a:pPr lvl="1"/>
             <a:r>
-              <a:rPr lang="fr-FR" smtClean="0"/>
+              <a:rPr lang="fr-FR"/>
               <a:t>Deuxième niveau</a:t>
             </a:r>
           </a:p>
           <a:p>
             <a:pPr lvl="2"/>
             <a:r>
-              <a:rPr lang="fr-FR" smtClean="0"/>
+              <a:rPr lang="fr-FR"/>
               <a:t>Troisième niveau</a:t>
             </a:r>
           </a:p>
           <a:p>
             <a:pPr lvl="3"/>
             <a:r>
-              <a:rPr lang="fr-FR" smtClean="0"/>
+              <a:rPr lang="fr-FR"/>
               <a:t>Quatrième niveau</a:t>
             </a:r>
           </a:p>
           <a:p>
             <a:pPr lvl="4"/>
             <a:r>
-              <a:rPr lang="fr-FR" smtClean="0"/>
+              <a:rPr lang="fr-FR"/>
               <a:t>Cinquième niveau</a:t>
             </a:r>
-            <a:endParaRPr lang="fr-FR"/>
           </a:p>
         </p:txBody>
       </p:sp>
@@ -1426,38 +1418,37 @@
           <a:p>
             <a:pPr lvl="0"/>
             <a:r>
-              <a:rPr lang="fr-FR" smtClean="0"/>
+              <a:rPr lang="fr-FR"/>
               <a:t>Cliquez pour modifier les styles du texte du masque</a:t>
             </a:r>
           </a:p>
           <a:p>
             <a:pPr lvl="1"/>
             <a:r>
-              <a:rPr lang="fr-FR" smtClean="0"/>
+              <a:rPr lang="fr-FR"/>
               <a:t>Deuxième niveau</a:t>
             </a:r>
           </a:p>
           <a:p>
             <a:pPr lvl="2"/>
             <a:r>
-              <a:rPr lang="fr-FR" smtClean="0"/>
+              <a:rPr lang="fr-FR"/>
               <a:t>Troisième niveau</a:t>
             </a:r>
           </a:p>
           <a:p>
             <a:pPr lvl="3"/>
             <a:r>
-              <a:rPr lang="fr-FR" smtClean="0"/>
+              <a:rPr lang="fr-FR"/>
               <a:t>Quatrième niveau</a:t>
             </a:r>
           </a:p>
           <a:p>
             <a:pPr lvl="4"/>
             <a:r>
-              <a:rPr lang="fr-FR" smtClean="0"/>
+              <a:rPr lang="fr-FR"/>
               <a:t>Cinquième niveau</a:t>
             </a:r>
-            <a:endParaRPr lang="fr-FR"/>
           </a:p>
         </p:txBody>
       </p:sp>
@@ -1516,10 +1507,9 @@
           </a:lstStyle>
           <a:p>
             <a:r>
-              <a:rPr lang="fr-FR" smtClean="0"/>
+              <a:rPr lang="fr-FR"/>
               <a:t>Cliquez pour modifier le style du titre</a:t>
             </a:r>
-            <a:endParaRPr lang="fr-FR"/>
           </a:p>
         </p:txBody>
       </p:sp>
@@ -1582,7 +1572,7 @@
           <a:p>
             <a:pPr lvl="0"/>
             <a:r>
-              <a:rPr lang="fr-FR" smtClean="0"/>
+              <a:rPr lang="fr-FR"/>
               <a:t>Cliquez pour modifier les styles du texte du masque</a:t>
             </a:r>
           </a:p>
@@ -1638,38 +1628,37 @@
           <a:p>
             <a:pPr lvl="0"/>
             <a:r>
-              <a:rPr lang="fr-FR" smtClean="0"/>
+              <a:rPr lang="fr-FR"/>
               <a:t>Cliquez pour modifier les styles du texte du masque</a:t>
             </a:r>
           </a:p>
           <a:p>
             <a:pPr lvl="1"/>
             <a:r>
-              <a:rPr lang="fr-FR" smtClean="0"/>
+              <a:rPr lang="fr-FR"/>
               <a:t>Deuxième niveau</a:t>
             </a:r>
           </a:p>
           <a:p>
             <a:pPr lvl="2"/>
             <a:r>
-              <a:rPr lang="fr-FR" smtClean="0"/>
+              <a:rPr lang="fr-FR"/>
               <a:t>Troisième niveau</a:t>
             </a:r>
           </a:p>
           <a:p>
             <a:pPr lvl="3"/>
             <a:r>
-              <a:rPr lang="fr-FR" smtClean="0"/>
+              <a:rPr lang="fr-FR"/>
               <a:t>Quatrième niveau</a:t>
             </a:r>
           </a:p>
           <a:p>
             <a:pPr lvl="4"/>
             <a:r>
-              <a:rPr lang="fr-FR" smtClean="0"/>
+              <a:rPr lang="fr-FR"/>
               <a:t>Cinquième niveau</a:t>
             </a:r>
-            <a:endParaRPr lang="fr-FR"/>
           </a:p>
         </p:txBody>
       </p:sp>
@@ -1732,7 +1721,7 @@
           <a:p>
             <a:pPr lvl="0"/>
             <a:r>
-              <a:rPr lang="fr-FR" smtClean="0"/>
+              <a:rPr lang="fr-FR"/>
               <a:t>Cliquez pour modifier les styles du texte du masque</a:t>
             </a:r>
           </a:p>
@@ -1788,38 +1777,37 @@
           <a:p>
             <a:pPr lvl="0"/>
             <a:r>
-              <a:rPr lang="fr-FR" smtClean="0"/>
+              <a:rPr lang="fr-FR"/>
               <a:t>Cliquez pour modifier les styles du texte du masque</a:t>
             </a:r>
           </a:p>
           <a:p>
             <a:pPr lvl="1"/>
             <a:r>
-              <a:rPr lang="fr-FR" smtClean="0"/>
+              <a:rPr lang="fr-FR"/>
               <a:t>Deuxième niveau</a:t>
             </a:r>
           </a:p>
           <a:p>
             <a:pPr lvl="2"/>
             <a:r>
-              <a:rPr lang="fr-FR" smtClean="0"/>
+              <a:rPr lang="fr-FR"/>
               <a:t>Troisième niveau</a:t>
             </a:r>
           </a:p>
           <a:p>
             <a:pPr lvl="3"/>
             <a:r>
-              <a:rPr lang="fr-FR" smtClean="0"/>
+              <a:rPr lang="fr-FR"/>
               <a:t>Quatrième niveau</a:t>
             </a:r>
           </a:p>
           <a:p>
             <a:pPr lvl="4"/>
             <a:r>
-              <a:rPr lang="fr-FR" smtClean="0"/>
+              <a:rPr lang="fr-FR"/>
               <a:t>Cinquième niveau</a:t>
             </a:r>
-            <a:endParaRPr lang="fr-FR"/>
           </a:p>
         </p:txBody>
       </p:sp>
@@ -1869,10 +1857,9 @@
           <a:lstStyle/>
           <a:p>
             <a:r>
-              <a:rPr lang="fr-FR" smtClean="0"/>
+              <a:rPr lang="fr-FR"/>
               <a:t>Cliquez pour modifier le style du titre</a:t>
             </a:r>
-            <a:endParaRPr lang="fr-FR"/>
           </a:p>
         </p:txBody>
       </p:sp>
@@ -1961,10 +1948,9 @@
           </a:lstStyle>
           <a:p>
             <a:r>
-              <a:rPr lang="fr-FR" smtClean="0"/>
+              <a:rPr lang="fr-FR"/>
               <a:t>Cliquez pour modifier le style du titre</a:t>
             </a:r>
-            <a:endParaRPr lang="fr-FR"/>
           </a:p>
         </p:txBody>
       </p:sp>
@@ -2018,38 +2004,37 @@
           <a:p>
             <a:pPr lvl="0"/>
             <a:r>
-              <a:rPr lang="fr-FR" smtClean="0"/>
+              <a:rPr lang="fr-FR"/>
               <a:t>Cliquez pour modifier les styles du texte du masque</a:t>
             </a:r>
           </a:p>
           <a:p>
             <a:pPr lvl="1"/>
             <a:r>
-              <a:rPr lang="fr-FR" smtClean="0"/>
+              <a:rPr lang="fr-FR"/>
               <a:t>Deuxième niveau</a:t>
             </a:r>
           </a:p>
           <a:p>
             <a:pPr lvl="2"/>
             <a:r>
-              <a:rPr lang="fr-FR" smtClean="0"/>
+              <a:rPr lang="fr-FR"/>
               <a:t>Troisième niveau</a:t>
             </a:r>
           </a:p>
           <a:p>
             <a:pPr lvl="3"/>
             <a:r>
-              <a:rPr lang="fr-FR" smtClean="0"/>
+              <a:rPr lang="fr-FR"/>
               <a:t>Quatrième niveau</a:t>
             </a:r>
           </a:p>
           <a:p>
             <a:pPr lvl="4"/>
             <a:r>
-              <a:rPr lang="fr-FR" smtClean="0"/>
+              <a:rPr lang="fr-FR"/>
               <a:t>Cinquième niveau</a:t>
             </a:r>
-            <a:endParaRPr lang="fr-FR"/>
           </a:p>
         </p:txBody>
       </p:sp>
@@ -2112,7 +2097,7 @@
           <a:p>
             <a:pPr lvl="0"/>
             <a:r>
-              <a:rPr lang="fr-FR" smtClean="0"/>
+              <a:rPr lang="fr-FR"/>
               <a:t>Cliquez pour modifier les styles du texte du masque</a:t>
             </a:r>
           </a:p>
@@ -2173,10 +2158,9 @@
           </a:lstStyle>
           <a:p>
             <a:r>
-              <a:rPr lang="fr-FR" smtClean="0"/>
+              <a:rPr lang="fr-FR"/>
               <a:t>Cliquez pour modifier le style du titre</a:t>
             </a:r>
-            <a:endParaRPr lang="fr-FR"/>
           </a:p>
         </p:txBody>
       </p:sp>
@@ -2238,7 +2222,7 @@
           </a:lstStyle>
           <a:p>
             <a:pPr lvl="0"/>
-            <a:endParaRPr lang="fr-FR" noProof="0" smtClean="0"/>
+            <a:endParaRPr lang="fr-FR" noProof="0"/>
           </a:p>
         </p:txBody>
       </p:sp>
@@ -2301,7 +2285,7 @@
           <a:p>
             <a:pPr lvl="0"/>
             <a:r>
-              <a:rPr lang="fr-FR" smtClean="0"/>
+              <a:rPr lang="fr-FR"/>
               <a:t>Cliquez pour modifier les styles du texte du masque</a:t>
             </a:r>
           </a:p>
@@ -2353,10 +2337,9 @@
           <a:lstStyle/>
           <a:p>
             <a:r>
-              <a:rPr lang="fr-FR" smtClean="0"/>
+              <a:rPr lang="fr-FR"/>
               <a:t>Cliquez pour modifier le style du titre</a:t>
             </a:r>
-            <a:endParaRPr lang="fr-FR"/>
           </a:p>
         </p:txBody>
       </p:sp>
@@ -2377,38 +2360,37 @@
           <a:p>
             <a:pPr lvl="0"/>
             <a:r>
-              <a:rPr lang="fr-FR" smtClean="0"/>
+              <a:rPr lang="fr-FR"/>
               <a:t>Cliquez pour modifier les styles du texte du masque</a:t>
             </a:r>
           </a:p>
           <a:p>
             <a:pPr lvl="1"/>
             <a:r>
-              <a:rPr lang="fr-FR" smtClean="0"/>
+              <a:rPr lang="fr-FR"/>
               <a:t>Deuxième niveau</a:t>
             </a:r>
           </a:p>
           <a:p>
             <a:pPr lvl="2"/>
             <a:r>
-              <a:rPr lang="fr-FR" smtClean="0"/>
+              <a:rPr lang="fr-FR"/>
               <a:t>Troisième niveau</a:t>
             </a:r>
           </a:p>
           <a:p>
             <a:pPr lvl="3"/>
             <a:r>
-              <a:rPr lang="fr-FR" smtClean="0"/>
+              <a:rPr lang="fr-FR"/>
               <a:t>Quatrième niveau</a:t>
             </a:r>
           </a:p>
           <a:p>
             <a:pPr lvl="4"/>
             <a:r>
-              <a:rPr lang="fr-FR" smtClean="0"/>
+              <a:rPr lang="fr-FR"/>
               <a:t>Cinquième niveau</a:t>
             </a:r>
-            <a:endParaRPr lang="fr-FR"/>
           </a:p>
         </p:txBody>
       </p:sp>
@@ -2589,7 +2571,7 @@
             <a:pPr eaLnBrk="1" hangingPunct="1">
               <a:defRPr/>
             </a:pPr>
-            <a:endParaRPr lang="fr-FR" altLang="fr-FR" smtClean="0"/>
+            <a:endParaRPr lang="fr-FR" altLang="fr-FR"/>
           </a:p>
         </p:txBody>
       </p:sp>
@@ -2743,7 +2725,7 @@
               <a:defRPr/>
             </a:pPr>
             <a:r>
-              <a:rPr lang="fr-FR" sz="1200" dirty="0" smtClean="0"/>
+              <a:rPr lang="fr-FR" sz="1200" dirty="0"/>
               <a:t>Page </a:t>
             </a:r>
             <a:fld id="{E218E9B1-FD08-4C80-902E-210BA2967D0D}" type="slidenum">
@@ -2756,7 +2738,7 @@
               </a:pPr>
               <a:t>‹N°›</a:t>
             </a:fld>
-            <a:endParaRPr lang="fr-FR" dirty="0" smtClean="0">
+            <a:endParaRPr lang="fr-FR" dirty="0">
               <a:latin typeface="Times New Roman" pitchFamily="18" charset="0"/>
             </a:endParaRPr>
           </a:p>
@@ -2912,10 +2894,10 @@
               <a:defRPr/>
             </a:pPr>
             <a:r>
-              <a:rPr lang="fr-FR" sz="1600" dirty="0" smtClean="0"/>
+              <a:rPr lang="fr-FR" sz="1600" dirty="0"/>
               <a:t>Python</a:t>
             </a:r>
-            <a:endParaRPr lang="fr-FR" dirty="0" smtClean="0">
+            <a:endParaRPr lang="fr-FR" dirty="0">
               <a:latin typeface="Times New Roman" pitchFamily="18" charset="0"/>
             </a:endParaRPr>
           </a:p>
@@ -2973,7 +2955,7 @@
           <a:p>
             <a:pPr lvl="0"/>
             <a:r>
-              <a:rPr lang="fr-FR" altLang="fr-FR" smtClean="0"/>
+              <a:rPr lang="fr-FR" altLang="fr-FR"/>
               <a:t>Cliquez pour modifier le style du titre du masque</a:t>
             </a:r>
           </a:p>
@@ -3031,35 +3013,35 @@
           <a:p>
             <a:pPr lvl="0"/>
             <a:r>
-              <a:rPr lang="fr-FR" altLang="fr-FR" smtClean="0"/>
+              <a:rPr lang="fr-FR" altLang="fr-FR"/>
               <a:t>Cliquez pour modifier les styles du texte du masque</a:t>
             </a:r>
           </a:p>
           <a:p>
             <a:pPr lvl="1"/>
             <a:r>
-              <a:rPr lang="fr-FR" altLang="fr-FR" smtClean="0"/>
+              <a:rPr lang="fr-FR" altLang="fr-FR"/>
               <a:t>Deuxième niveau</a:t>
             </a:r>
           </a:p>
           <a:p>
             <a:pPr lvl="2"/>
             <a:r>
-              <a:rPr lang="fr-FR" altLang="fr-FR" smtClean="0"/>
+              <a:rPr lang="fr-FR" altLang="fr-FR"/>
               <a:t>Troisième niveau</a:t>
             </a:r>
           </a:p>
           <a:p>
             <a:pPr lvl="3"/>
             <a:r>
-              <a:rPr lang="fr-FR" altLang="fr-FR" smtClean="0"/>
+              <a:rPr lang="fr-FR" altLang="fr-FR"/>
               <a:t>Quatrième niveau</a:t>
             </a:r>
           </a:p>
           <a:p>
             <a:pPr lvl="4"/>
             <a:r>
-              <a:rPr lang="fr-FR" altLang="fr-FR" smtClean="0"/>
+              <a:rPr lang="fr-FR" altLang="fr-FR"/>
               <a:t>Cinquième niveau</a:t>
             </a:r>
           </a:p>
@@ -3215,10 +3197,10 @@
               <a:defRPr/>
             </a:pPr>
             <a:r>
-              <a:rPr lang="fr-FR" sz="1200" smtClean="0"/>
+              <a:rPr lang="fr-FR" sz="1200"/>
               <a:t>© Cyril Vincent Conseil</a:t>
             </a:r>
-            <a:endParaRPr lang="fr-FR" smtClean="0">
+            <a:endParaRPr lang="fr-FR">
               <a:latin typeface="Times New Roman" pitchFamily="18" charset="0"/>
             </a:endParaRPr>
           </a:p>
@@ -3700,22 +3682,17 @@
           <a:p>
             <a:pPr eaLnBrk="1" hangingPunct="1"/>
             <a:r>
-              <a:rPr lang="fr-FR" altLang="fr-FR" dirty="0" smtClean="0"/>
-              <a:t>Chapitre </a:t>
-            </a:r>
-            <a:r>
-              <a:rPr lang="fr-FR" altLang="fr-FR" dirty="0" smtClean="0"/>
-              <a:t>16</a:t>
-            </a:r>
-            <a:endParaRPr lang="fr-FR" altLang="fr-FR" dirty="0" smtClean="0"/>
+              <a:rPr lang="fr-FR" altLang="fr-FR" dirty="0"/>
+              <a:t>Chapitre 16</a:t>
+            </a:r>
           </a:p>
           <a:p>
             <a:pPr eaLnBrk="1" hangingPunct="1"/>
             <a:r>
-              <a:rPr lang="fr-FR" altLang="fr-FR" dirty="0" err="1" smtClean="0"/>
+              <a:rPr lang="fr-FR" altLang="fr-FR" dirty="0" err="1"/>
               <a:t>Optimizations</a:t>
             </a:r>
-            <a:endParaRPr lang="fr-FR" altLang="fr-FR" dirty="0" smtClean="0"/>
+            <a:endParaRPr lang="fr-FR" altLang="fr-FR" dirty="0"/>
           </a:p>
         </p:txBody>
       </p:sp>
@@ -3766,14 +3743,13 @@
           <a:lstStyle/>
           <a:p>
             <a:r>
-              <a:rPr lang="fr-FR" sz="3600" dirty="0" err="1" smtClean="0"/>
+              <a:rPr lang="fr-FR" sz="3600" dirty="0" err="1"/>
               <a:t>Deep</a:t>
             </a:r>
             <a:r>
-              <a:rPr lang="fr-FR" sz="3600" dirty="0" smtClean="0"/>
+              <a:rPr lang="fr-FR" sz="3600" dirty="0"/>
               <a:t> Learning</a:t>
             </a:r>
-            <a:endParaRPr lang="fr-FR" sz="3600" dirty="0"/>
           </a:p>
         </p:txBody>
       </p:sp>
@@ -3823,13 +3799,6 @@
   <p:clrMapOvr>
     <a:masterClrMapping/>
   </p:clrMapOvr>
-  <p:timing>
-    <p:tnLst>
-      <p:par>
-        <p:cTn id="1" dur="indefinite" restart="never" nodeType="tmRoot"/>
-      </p:par>
-    </p:tnLst>
-  </p:timing>
 </p:sld>
 </file>
 
@@ -3866,15 +3835,15 @@
           <a:lstStyle/>
           <a:p>
             <a:r>
-              <a:rPr lang="fr-FR" dirty="0" err="1" smtClean="0"/>
+              <a:rPr lang="fr-FR" dirty="0" err="1"/>
               <a:t>Tensorflow</a:t>
             </a:r>
             <a:r>
-              <a:rPr lang="fr-FR" dirty="0" smtClean="0"/>
+              <a:rPr lang="fr-FR" dirty="0"/>
               <a:t> Model </a:t>
             </a:r>
             <a:r>
-              <a:rPr lang="fr-FR" dirty="0" err="1" smtClean="0"/>
+              <a:rPr lang="fr-FR" dirty="0" err="1"/>
               <a:t>Optimization</a:t>
             </a:r>
             <a:endParaRPr lang="fr-FR" dirty="0"/>
@@ -3897,41 +3866,41 @@
           <a:lstStyle/>
           <a:p>
             <a:r>
-              <a:rPr lang="fr-FR" dirty="0" smtClean="0"/>
+              <a:rPr lang="fr-FR" dirty="0"/>
               <a:t>Sous projet TF</a:t>
             </a:r>
           </a:p>
           <a:p>
             <a:pPr lvl="1"/>
             <a:r>
-              <a:rPr lang="fr-FR" dirty="0" err="1" smtClean="0"/>
+              <a:rPr lang="fr-FR" dirty="0" err="1"/>
               <a:t>pip</a:t>
             </a:r>
             <a:r>
-              <a:rPr lang="fr-FR" dirty="0" smtClean="0"/>
+              <a:rPr lang="fr-FR" dirty="0"/>
               <a:t> </a:t>
             </a:r>
             <a:r>
-              <a:rPr lang="fr-FR" dirty="0" err="1" smtClean="0"/>
+              <a:rPr lang="fr-FR" dirty="0" err="1"/>
               <a:t>install</a:t>
             </a:r>
             <a:r>
-              <a:rPr lang="fr-FR" dirty="0" smtClean="0"/>
+              <a:rPr lang="fr-FR" dirty="0"/>
               <a:t> </a:t>
             </a:r>
             <a:r>
-              <a:rPr lang="fr-FR" dirty="0" err="1" smtClean="0"/>
+              <a:rPr lang="fr-FR" dirty="0" err="1"/>
               <a:t>tensorflow</a:t>
             </a:r>
             <a:r>
-              <a:rPr lang="fr-FR" dirty="0" smtClean="0"/>
+              <a:rPr lang="fr-FR" dirty="0"/>
               <a:t>-model-</a:t>
             </a:r>
             <a:r>
-              <a:rPr lang="fr-FR" dirty="0" err="1" smtClean="0"/>
+              <a:rPr lang="fr-FR" dirty="0" err="1"/>
               <a:t>optimization</a:t>
             </a:r>
-            <a:endParaRPr lang="fr-FR" dirty="0" smtClean="0"/>
+            <a:endParaRPr lang="fr-FR" dirty="0"/>
           </a:p>
           <a:p>
             <a:pPr lvl="1"/>
@@ -4001,11 +3970,11 @@
           <a:lstStyle/>
           <a:p>
             <a:r>
-              <a:rPr lang="fr-FR" dirty="0" smtClean="0"/>
+              <a:rPr lang="fr-FR" dirty="0"/>
               <a:t>TFMOT </a:t>
             </a:r>
             <a:r>
-              <a:rPr lang="fr-FR" dirty="0" err="1" smtClean="0"/>
+              <a:rPr lang="fr-FR" dirty="0" err="1"/>
               <a:t>Pruning</a:t>
             </a:r>
             <a:endParaRPr lang="fr-FR" dirty="0"/>
@@ -4028,15 +3997,15 @@
           <a:lstStyle/>
           <a:p>
             <a:r>
-              <a:rPr lang="fr-FR" dirty="0" smtClean="0"/>
+              <a:rPr lang="fr-FR" dirty="0"/>
               <a:t>Permet d'appliquer un </a:t>
             </a:r>
             <a:r>
-              <a:rPr lang="fr-FR" dirty="0" err="1" smtClean="0"/>
+              <a:rPr lang="fr-FR" dirty="0" err="1"/>
               <a:t>Pruning</a:t>
             </a:r>
             <a:r>
-              <a:rPr lang="fr-FR" dirty="0" smtClean="0"/>
+              <a:rPr lang="fr-FR" dirty="0"/>
               <a:t> avec une fonction polynomiale qui élague de 0.0 à 0.5 de l'itération 2000 à 4000</a:t>
             </a:r>
           </a:p>
@@ -4115,15 +4084,15 @@
           <a:lstStyle/>
           <a:p>
             <a:r>
-              <a:rPr lang="fr-FR" dirty="0" err="1" smtClean="0"/>
+              <a:rPr lang="fr-FR" dirty="0" err="1"/>
               <a:t>Aware</a:t>
             </a:r>
             <a:r>
-              <a:rPr lang="fr-FR" dirty="0" smtClean="0"/>
+              <a:rPr lang="fr-FR" dirty="0"/>
               <a:t> </a:t>
             </a:r>
             <a:r>
-              <a:rPr lang="fr-FR" dirty="0" err="1" smtClean="0"/>
+              <a:rPr lang="fr-FR" dirty="0" err="1"/>
               <a:t>Quantization</a:t>
             </a:r>
             <a:endParaRPr lang="fr-FR" dirty="0"/>
@@ -4146,78 +4115,78 @@
           <a:lstStyle/>
           <a:p>
             <a:r>
-              <a:rPr lang="fr-FR" dirty="0" smtClean="0"/>
+              <a:rPr lang="fr-FR" dirty="0"/>
               <a:t>C'est une Pré-</a:t>
             </a:r>
             <a:r>
-              <a:rPr lang="fr-FR" dirty="0" err="1" smtClean="0"/>
+              <a:rPr lang="fr-FR" dirty="0" err="1"/>
               <a:t>quantization</a:t>
             </a:r>
-            <a:endParaRPr lang="fr-FR" dirty="0" smtClean="0"/>
+            <a:endParaRPr lang="fr-FR" dirty="0"/>
           </a:p>
           <a:p>
             <a:pPr lvl="1"/>
             <a:r>
-              <a:rPr lang="fr-FR" dirty="0" smtClean="0"/>
+              <a:rPr lang="fr-FR" dirty="0"/>
               <a:t>Permet sous TF de </a:t>
             </a:r>
             <a:r>
-              <a:rPr lang="fr-FR" dirty="0" err="1" smtClean="0"/>
+              <a:rPr lang="fr-FR" dirty="0" err="1"/>
               <a:t>quantiser</a:t>
             </a:r>
             <a:r>
-              <a:rPr lang="fr-FR" dirty="0" smtClean="0"/>
+              <a:rPr lang="fr-FR" dirty="0"/>
               <a:t> les poids avant apprentissage sur 8 bits ou 16 bits</a:t>
             </a:r>
           </a:p>
           <a:p>
             <a:pPr lvl="1"/>
             <a:r>
-              <a:rPr lang="fr-FR" dirty="0" smtClean="0"/>
+              <a:rPr lang="fr-FR" dirty="0"/>
               <a:t>Attention les poids sont toujours sur 64 bits</a:t>
             </a:r>
           </a:p>
           <a:p>
             <a:pPr lvl="1"/>
             <a:r>
-              <a:rPr lang="fr-FR" dirty="0" smtClean="0"/>
+              <a:rPr lang="fr-FR" dirty="0"/>
               <a:t>Seuls les pas d'apprentissages sont de 1/256 ou 1/65536</a:t>
             </a:r>
           </a:p>
           <a:p>
             <a:pPr lvl="1"/>
             <a:r>
-              <a:rPr lang="fr-FR" dirty="0" smtClean="0"/>
+              <a:rPr lang="fr-FR" dirty="0"/>
               <a:t>Post </a:t>
             </a:r>
             <a:r>
-              <a:rPr lang="fr-FR" dirty="0" err="1" smtClean="0"/>
+              <a:rPr lang="fr-FR" dirty="0" err="1"/>
               <a:t>Quantization</a:t>
             </a:r>
             <a:r>
-              <a:rPr lang="fr-FR" dirty="0" smtClean="0"/>
+              <a:rPr lang="fr-FR" dirty="0"/>
               <a:t> </a:t>
             </a:r>
             <a:r>
-              <a:rPr lang="fr-FR" dirty="0" err="1" smtClean="0"/>
+              <a:rPr lang="fr-FR" dirty="0" err="1"/>
               <a:t>TFLite</a:t>
             </a:r>
             <a:r>
-              <a:rPr lang="fr-FR" dirty="0" smtClean="0"/>
+              <a:rPr lang="fr-FR" dirty="0"/>
               <a:t> obligatoire</a:t>
             </a:r>
           </a:p>
           <a:p>
             <a:pPr lvl="1"/>
             <a:r>
-              <a:rPr lang="fr-FR" dirty="0" smtClean="0"/>
+              <a:rPr lang="fr-FR" dirty="0"/>
               <a:t>Plus précis</a:t>
             </a:r>
           </a:p>
           <a:p>
             <a:pPr lvl="1"/>
             <a:r>
-              <a:rPr lang="fr-FR" dirty="0" smtClean="0"/>
+              <a:rPr lang="fr-FR" dirty="0"/>
               <a:t>Nécessite un réapprentissage</a:t>
             </a:r>
           </a:p>
@@ -4284,15 +4253,15 @@
           <a:lstStyle/>
           <a:p>
             <a:r>
-              <a:rPr lang="fr-FR" dirty="0" err="1" smtClean="0"/>
+              <a:rPr lang="fr-FR" dirty="0" err="1"/>
               <a:t>Aware</a:t>
             </a:r>
             <a:r>
-              <a:rPr lang="fr-FR" dirty="0" smtClean="0"/>
+              <a:rPr lang="fr-FR" dirty="0"/>
               <a:t> </a:t>
             </a:r>
             <a:r>
-              <a:rPr lang="fr-FR" dirty="0" err="1" smtClean="0"/>
+              <a:rPr lang="fr-FR" dirty="0" err="1"/>
               <a:t>Quantization</a:t>
             </a:r>
             <a:endParaRPr lang="fr-FR" dirty="0"/>
@@ -4315,40 +4284,40 @@
           <a:lstStyle/>
           <a:p>
             <a:r>
-              <a:rPr lang="fr-FR" dirty="0" smtClean="0"/>
+              <a:rPr lang="fr-FR" dirty="0"/>
               <a:t>Il est possible de </a:t>
             </a:r>
             <a:r>
-              <a:rPr lang="fr-FR" dirty="0" err="1" smtClean="0"/>
+              <a:rPr lang="fr-FR" dirty="0" err="1"/>
               <a:t>quantiser</a:t>
             </a:r>
             <a:r>
-              <a:rPr lang="fr-FR" dirty="0" smtClean="0"/>
+              <a:rPr lang="fr-FR" dirty="0"/>
               <a:t> seulement certains </a:t>
             </a:r>
             <a:r>
-              <a:rPr lang="fr-FR" dirty="0" err="1" smtClean="0"/>
+              <a:rPr lang="fr-FR" dirty="0" err="1"/>
               <a:t>layers</a:t>
             </a:r>
-            <a:endParaRPr lang="fr-FR" dirty="0" smtClean="0"/>
+            <a:endParaRPr lang="fr-FR" dirty="0"/>
           </a:p>
           <a:p>
             <a:pPr lvl="1"/>
             <a:r>
-              <a:rPr lang="fr-FR" dirty="0" smtClean="0"/>
+              <a:rPr lang="fr-FR" dirty="0"/>
               <a:t>Ici seuls les </a:t>
             </a:r>
             <a:r>
-              <a:rPr lang="fr-FR" dirty="0" err="1" smtClean="0"/>
+              <a:rPr lang="fr-FR" dirty="0" err="1"/>
               <a:t>layers</a:t>
             </a:r>
             <a:r>
-              <a:rPr lang="fr-FR" dirty="0" smtClean="0"/>
+              <a:rPr lang="fr-FR" dirty="0"/>
               <a:t> Dense sont </a:t>
             </a:r>
             <a:r>
-              <a:rPr lang="fr-FR" smtClean="0"/>
-              <a:t>quantisez</a:t>
+              <a:rPr lang="fr-FR" dirty="0" err="1"/>
+              <a:t>quantisés</a:t>
             </a:r>
             <a:endParaRPr lang="fr-FR" dirty="0"/>
           </a:p>
@@ -4424,7 +4393,7 @@
           <a:lstStyle/>
           <a:p>
             <a:r>
-              <a:rPr lang="fr-FR" dirty="0" err="1" smtClean="0"/>
+              <a:rPr lang="fr-FR" dirty="0" err="1"/>
               <a:t>TFLite</a:t>
             </a:r>
             <a:endParaRPr lang="fr-FR" dirty="0"/>
@@ -4447,47 +4416,47 @@
           <a:lstStyle/>
           <a:p>
             <a:r>
-              <a:rPr lang="fr-FR" dirty="0" smtClean="0"/>
+              <a:rPr lang="fr-FR" dirty="0"/>
               <a:t>Framework pour mobile et </a:t>
             </a:r>
             <a:r>
-              <a:rPr lang="fr-FR" dirty="0" err="1" smtClean="0"/>
+              <a:rPr lang="fr-FR" dirty="0" err="1"/>
               <a:t>IoT</a:t>
             </a:r>
-            <a:endParaRPr lang="fr-FR" dirty="0" smtClean="0"/>
+            <a:endParaRPr lang="fr-FR" dirty="0"/>
           </a:p>
           <a:p>
             <a:pPr lvl="1"/>
             <a:r>
-              <a:rPr lang="fr-FR" dirty="0" smtClean="0"/>
+              <a:rPr lang="fr-FR" dirty="0"/>
               <a:t>Permet une utilisation plus légère de TF</a:t>
             </a:r>
           </a:p>
           <a:p>
             <a:pPr lvl="1"/>
             <a:r>
-              <a:rPr lang="fr-FR" dirty="0" smtClean="0"/>
+              <a:rPr lang="fr-FR" dirty="0"/>
               <a:t>Apprentissage (peu utilisé)</a:t>
             </a:r>
           </a:p>
           <a:p>
             <a:pPr lvl="1"/>
             <a:r>
-              <a:rPr lang="fr-FR" dirty="0" smtClean="0"/>
+              <a:rPr lang="fr-FR" dirty="0"/>
               <a:t>Inférence</a:t>
             </a:r>
           </a:p>
           <a:p>
             <a:pPr lvl="1"/>
             <a:r>
-              <a:rPr lang="fr-FR" dirty="0" smtClean="0"/>
+              <a:rPr lang="fr-FR" dirty="0"/>
               <a:t>32 bits (aucune différence significative avec TF qui est en 64 bits)</a:t>
             </a:r>
           </a:p>
           <a:p>
             <a:pPr lvl="1"/>
             <a:r>
-              <a:rPr lang="fr-FR" dirty="0" smtClean="0"/>
+              <a:rPr lang="fr-FR" dirty="0"/>
               <a:t>Implémentation Python, C++, Java, Android</a:t>
             </a:r>
           </a:p>
@@ -4543,10 +4512,9 @@
           <a:lstStyle/>
           <a:p>
             <a:r>
-              <a:rPr lang="fr-FR" dirty="0" smtClean="0"/>
+              <a:rPr lang="fr-FR" dirty="0"/>
               <a:t>H5</a:t>
             </a:r>
-            <a:endParaRPr lang="fr-FR" dirty="0"/>
           </a:p>
         </p:txBody>
       </p:sp>
@@ -4566,21 +4534,20 @@
           <a:lstStyle/>
           <a:p>
             <a:r>
-              <a:rPr lang="fr-FR" dirty="0" err="1" smtClean="0"/>
+              <a:rPr lang="fr-FR" dirty="0" err="1"/>
               <a:t>TFlite</a:t>
             </a:r>
             <a:r>
-              <a:rPr lang="fr-FR" dirty="0" smtClean="0"/>
+              <a:rPr lang="fr-FR" dirty="0"/>
               <a:t> n'est pas directement compatible H5</a:t>
             </a:r>
           </a:p>
           <a:p>
             <a:pPr lvl="1"/>
             <a:r>
-              <a:rPr lang="fr-FR" dirty="0" smtClean="0"/>
+              <a:rPr lang="fr-FR" dirty="0"/>
               <a:t>Il faut le convertir</a:t>
             </a:r>
-            <a:endParaRPr lang="fr-FR" dirty="0"/>
           </a:p>
         </p:txBody>
       </p:sp>
@@ -4654,10 +4621,9 @@
           <a:lstStyle/>
           <a:p>
             <a:r>
-              <a:rPr lang="fr-FR" dirty="0" smtClean="0"/>
+              <a:rPr lang="fr-FR" dirty="0"/>
               <a:t>Inférence</a:t>
             </a:r>
-            <a:endParaRPr lang="fr-FR" dirty="0"/>
           </a:p>
         </p:txBody>
       </p:sp>
@@ -4677,30 +4643,30 @@
           <a:lstStyle/>
           <a:p>
             <a:r>
-              <a:rPr lang="fr-FR" dirty="0" err="1" smtClean="0"/>
+              <a:rPr lang="fr-FR" dirty="0" err="1"/>
               <a:t>TFlite</a:t>
             </a:r>
             <a:r>
-              <a:rPr lang="fr-FR" dirty="0" smtClean="0"/>
+              <a:rPr lang="fr-FR" dirty="0"/>
               <a:t> n'est pas compatible </a:t>
             </a:r>
             <a:r>
-              <a:rPr lang="fr-FR" dirty="0" err="1" smtClean="0"/>
+              <a:rPr lang="fr-FR" dirty="0" err="1"/>
               <a:t>Keras</a:t>
             </a:r>
-            <a:endParaRPr lang="fr-FR" dirty="0" smtClean="0"/>
+            <a:endParaRPr lang="fr-FR" dirty="0"/>
           </a:p>
           <a:p>
             <a:pPr lvl="1"/>
             <a:r>
-              <a:rPr lang="fr-FR" dirty="0" smtClean="0"/>
+              <a:rPr lang="fr-FR" dirty="0"/>
               <a:t>Possède sa propre API</a:t>
             </a:r>
           </a:p>
           <a:p>
             <a:pPr lvl="1"/>
             <a:r>
-              <a:rPr lang="fr-FR" dirty="0" smtClean="0"/>
+              <a:rPr lang="fr-FR" dirty="0"/>
               <a:t>float32 uniquement</a:t>
             </a:r>
           </a:p>
@@ -4708,7 +4674,7 @@
             <a:pPr marL="457200" lvl="1" indent="0">
               <a:buNone/>
             </a:pPr>
-            <a:endParaRPr lang="fr-FR" dirty="0" smtClean="0"/>
+            <a:endParaRPr lang="fr-FR" dirty="0"/>
           </a:p>
         </p:txBody>
       </p:sp>
@@ -4830,10 +4796,9 @@
           <a:lstStyle/>
           <a:p>
             <a:r>
-              <a:rPr lang="fr-FR" dirty="0" smtClean="0"/>
+              <a:rPr lang="fr-FR" dirty="0"/>
               <a:t>Post optimisations</a:t>
             </a:r>
-            <a:endParaRPr lang="fr-FR" dirty="0"/>
           </a:p>
         </p:txBody>
       </p:sp>
@@ -4853,35 +4818,35 @@
           <a:lstStyle/>
           <a:p>
             <a:r>
-              <a:rPr lang="fr-FR" dirty="0" smtClean="0"/>
+              <a:rPr lang="fr-FR" dirty="0"/>
               <a:t>Il s'agit d'optimiser un modèle après apprentissage</a:t>
             </a:r>
           </a:p>
           <a:p>
             <a:pPr lvl="1"/>
             <a:r>
-              <a:rPr lang="fr-FR" dirty="0" smtClean="0"/>
+              <a:rPr lang="fr-FR" dirty="0"/>
               <a:t>Afin de réduire sa taille et sa vitesse d'inférence</a:t>
             </a:r>
           </a:p>
           <a:p>
             <a:r>
-              <a:rPr lang="fr-FR" dirty="0" smtClean="0"/>
+              <a:rPr lang="fr-FR" dirty="0"/>
               <a:t>2 techniques</a:t>
             </a:r>
           </a:p>
           <a:p>
             <a:pPr lvl="1"/>
             <a:r>
-              <a:rPr lang="fr-FR" dirty="0" err="1" smtClean="0"/>
+              <a:rPr lang="fr-FR" dirty="0" err="1"/>
               <a:t>Quantization</a:t>
             </a:r>
-            <a:endParaRPr lang="fr-FR" dirty="0" smtClean="0"/>
+            <a:endParaRPr lang="fr-FR" dirty="0"/>
           </a:p>
           <a:p>
             <a:pPr lvl="1"/>
             <a:r>
-              <a:rPr lang="fr-FR" dirty="0" err="1" smtClean="0"/>
+              <a:rPr lang="fr-FR" dirty="0" err="1"/>
               <a:t>Pruning</a:t>
             </a:r>
             <a:endParaRPr lang="fr-FR" dirty="0"/>
@@ -4934,11 +4899,11 @@
           <a:lstStyle/>
           <a:p>
             <a:r>
-              <a:rPr lang="fr-FR" dirty="0" smtClean="0"/>
+              <a:rPr lang="fr-FR" dirty="0"/>
               <a:t>Post </a:t>
             </a:r>
             <a:r>
-              <a:rPr lang="fr-FR" dirty="0" err="1" smtClean="0"/>
+              <a:rPr lang="fr-FR" dirty="0" err="1"/>
               <a:t>Quantization</a:t>
             </a:r>
             <a:endParaRPr lang="fr-FR" dirty="0"/>
@@ -4961,52 +4926,52 @@
           <a:lstStyle/>
           <a:p>
             <a:r>
-              <a:rPr lang="fr-FR" sz="2400" dirty="0" smtClean="0"/>
+              <a:rPr lang="fr-FR" sz="2400" dirty="0"/>
               <a:t>Réduit la taille des poids</a:t>
             </a:r>
           </a:p>
           <a:p>
             <a:pPr lvl="1"/>
             <a:r>
-              <a:rPr lang="fr-FR" sz="2000" dirty="0" smtClean="0"/>
+              <a:rPr lang="fr-FR" sz="2000" dirty="0"/>
               <a:t>TF est 64 bits</a:t>
             </a:r>
           </a:p>
           <a:p>
             <a:pPr lvl="1"/>
             <a:r>
-              <a:rPr lang="fr-FR" sz="2000" dirty="0" err="1" smtClean="0"/>
+              <a:rPr lang="fr-FR" sz="2000" dirty="0" err="1"/>
               <a:t>TFlite</a:t>
             </a:r>
             <a:r>
-              <a:rPr lang="fr-FR" sz="2000" dirty="0" smtClean="0"/>
+              <a:rPr lang="fr-FR" sz="2000" dirty="0"/>
               <a:t> est 32 bits</a:t>
             </a:r>
           </a:p>
           <a:p>
             <a:pPr lvl="1"/>
             <a:r>
-              <a:rPr lang="fr-FR" sz="2000" dirty="0" smtClean="0"/>
+              <a:rPr lang="fr-FR" sz="2000" dirty="0"/>
               <a:t>Taille divisé par 2</a:t>
             </a:r>
           </a:p>
           <a:p>
             <a:pPr lvl="1"/>
             <a:r>
-              <a:rPr lang="fr-FR" sz="2000" dirty="0" smtClean="0"/>
+              <a:rPr lang="fr-FR" sz="2000" dirty="0"/>
               <a:t>Aucun gain de rapidité sauf sur processeur 32 bits</a:t>
             </a:r>
           </a:p>
           <a:p>
             <a:r>
-              <a:rPr lang="fr-FR" sz="2400" dirty="0" smtClean="0"/>
+              <a:rPr lang="fr-FR" sz="2400" dirty="0"/>
               <a:t>Possibilité de réduire la taille des poids sur 16 bits</a:t>
             </a:r>
           </a:p>
           <a:p>
             <a:pPr lvl="1"/>
             <a:r>
-              <a:rPr lang="fr-FR" sz="2000" dirty="0" smtClean="0"/>
+              <a:rPr lang="fr-FR" sz="2000" dirty="0"/>
               <a:t>Précision 1/65536</a:t>
             </a:r>
           </a:p>
@@ -5014,74 +4979,48 @@
             <a:pPr lvl="1"/>
             <a:r>
               <a:rPr lang="fr-FR" sz="2000" dirty="0"/>
-              <a:t>T</a:t>
-            </a:r>
-            <a:r>
-              <a:rPr lang="fr-FR" sz="2000" dirty="0" smtClean="0"/>
-              <a:t>aille divisé par 4</a:t>
+              <a:t>Taille divisé par 4</a:t>
             </a:r>
           </a:p>
           <a:p>
             <a:pPr lvl="1"/>
             <a:r>
-              <a:rPr lang="fr-FR" sz="2000" dirty="0" smtClean="0"/>
-              <a:t>Gain de rapidité de 2 sur GPU</a:t>
+              <a:rPr lang="fr-FR" sz="2000" dirty="0"/>
+              <a:t>Gain de rapidité de 4 sur GPU</a:t>
             </a:r>
           </a:p>
           <a:p>
             <a:r>
               <a:rPr lang="fr-FR" sz="2400" dirty="0"/>
-              <a:t>Possibilité de réduire la taille des poids sur </a:t>
-            </a:r>
-            <a:r>
-              <a:rPr lang="fr-FR" sz="2400" dirty="0" smtClean="0"/>
-              <a:t>8 </a:t>
-            </a:r>
-            <a:r>
-              <a:rPr lang="fr-FR" sz="2400" dirty="0"/>
-              <a:t>bits</a:t>
+              <a:t>Possibilité de réduire la taille des poids sur 8 bits</a:t>
             </a:r>
           </a:p>
           <a:p>
             <a:pPr lvl="1"/>
             <a:r>
-              <a:rPr lang="fr-FR" sz="2000" dirty="0" smtClean="0"/>
+              <a:rPr lang="fr-FR" sz="2000" dirty="0"/>
               <a:t>Entiers</a:t>
             </a:r>
           </a:p>
           <a:p>
             <a:pPr lvl="1"/>
             <a:r>
-              <a:rPr lang="fr-FR" sz="2000" dirty="0" smtClean="0"/>
+              <a:rPr lang="fr-FR" sz="2000" dirty="0"/>
               <a:t>Précision 1/256</a:t>
             </a:r>
-            <a:endParaRPr lang="fr-FR" sz="2000" dirty="0"/>
           </a:p>
           <a:p>
             <a:pPr lvl="1"/>
             <a:r>
               <a:rPr lang="fr-FR" sz="2000" dirty="0"/>
-              <a:t>Taille divisé par </a:t>
-            </a:r>
-            <a:r>
-              <a:rPr lang="fr-FR" sz="2000" dirty="0" smtClean="0"/>
-              <a:t>8</a:t>
-            </a:r>
-            <a:endParaRPr lang="fr-FR" sz="2000" dirty="0"/>
+              <a:t>Taille divisé par 8</a:t>
+            </a:r>
           </a:p>
           <a:p>
             <a:pPr lvl="1"/>
             <a:r>
               <a:rPr lang="fr-FR" sz="2000" dirty="0"/>
-              <a:t>Gain de rapidité de </a:t>
-            </a:r>
-            <a:r>
-              <a:rPr lang="fr-FR" sz="2000" dirty="0" smtClean="0"/>
-              <a:t>4 </a:t>
-            </a:r>
-            <a:r>
-              <a:rPr lang="fr-FR" sz="2000" dirty="0"/>
-              <a:t>sur GPU</a:t>
+              <a:t>Gain de rapidité de 4 sur GPU</a:t>
             </a:r>
           </a:p>
           <a:p>
@@ -5136,11 +5075,11 @@
           <a:lstStyle/>
           <a:p>
             <a:r>
-              <a:rPr lang="fr-FR" dirty="0" smtClean="0"/>
+              <a:rPr lang="fr-FR" dirty="0"/>
               <a:t>Post </a:t>
             </a:r>
             <a:r>
-              <a:rPr lang="fr-FR" dirty="0" err="1" smtClean="0"/>
+              <a:rPr lang="fr-FR" dirty="0" err="1"/>
               <a:t>Quantization</a:t>
             </a:r>
             <a:endParaRPr lang="fr-FR" dirty="0"/>
@@ -5163,7 +5102,7 @@
           <a:lstStyle/>
           <a:p>
             <a:r>
-              <a:rPr lang="fr-FR" dirty="0" smtClean="0"/>
+              <a:rPr lang="fr-FR" dirty="0"/>
               <a:t>La commande est très simple</a:t>
             </a:r>
           </a:p>
@@ -5182,21 +5121,21 @@
               <a:t>tf.lite.Optimize.DEFAULT</a:t>
             </a:r>
             <a:r>
-              <a:rPr lang="fr-FR" dirty="0" smtClean="0"/>
+              <a:rPr lang="fr-FR" dirty="0"/>
               <a:t>]</a:t>
             </a:r>
           </a:p>
           <a:p>
             <a:pPr lvl="1"/>
             <a:r>
-              <a:rPr lang="fr-FR" dirty="0" smtClean="0"/>
+              <a:rPr lang="fr-FR" dirty="0"/>
               <a:t>Par défaut 8 bits</a:t>
             </a:r>
           </a:p>
           <a:p>
             <a:pPr lvl="1"/>
             <a:r>
-              <a:rPr lang="fr-FR" dirty="0" smtClean="0"/>
+              <a:rPr lang="fr-FR" dirty="0"/>
               <a:t>Pour passer en 16 bits</a:t>
             </a:r>
           </a:p>
@@ -5259,11 +5198,11 @@
           <a:lstStyle/>
           <a:p>
             <a:r>
-              <a:rPr lang="fr-FR" dirty="0" smtClean="0"/>
+              <a:rPr lang="fr-FR" dirty="0"/>
               <a:t>Post </a:t>
             </a:r>
             <a:r>
-              <a:rPr lang="fr-FR" dirty="0" err="1" smtClean="0"/>
+              <a:rPr lang="fr-FR" dirty="0" err="1"/>
               <a:t>Quantization</a:t>
             </a:r>
             <a:endParaRPr lang="fr-FR" dirty="0"/>
@@ -5286,33 +5225,24 @@
           <a:lstStyle/>
           <a:p>
             <a:r>
-              <a:rPr lang="fr-FR" dirty="0" smtClean="0"/>
+              <a:rPr lang="fr-FR" dirty="0"/>
               <a:t>Il possible de </a:t>
             </a:r>
             <a:r>
-              <a:rPr lang="fr-FR" dirty="0" err="1" smtClean="0"/>
+              <a:rPr lang="fr-FR" dirty="0" err="1"/>
               <a:t>quantiser</a:t>
             </a:r>
             <a:r>
-              <a:rPr lang="fr-FR" dirty="0" smtClean="0"/>
+              <a:rPr lang="fr-FR" dirty="0"/>
               <a:t> également les fonctions d'activation</a:t>
             </a:r>
           </a:p>
           <a:p>
             <a:pPr lvl="1"/>
             <a:r>
-              <a:rPr lang="fr-FR" dirty="0" smtClean="0"/>
-              <a:t>Nécessite un </a:t>
-            </a:r>
-            <a:r>
-              <a:rPr lang="fr-FR" dirty="0"/>
-              <a:t>j</a:t>
-            </a:r>
-            <a:r>
-              <a:rPr lang="fr-FR" dirty="0" smtClean="0"/>
-              <a:t>eux de données pour évaluer les seuils</a:t>
-            </a:r>
-            <a:endParaRPr lang="fr-FR" dirty="0"/>
+              <a:rPr lang="fr-FR" dirty="0"/>
+              <a:t>Nécessite un jeux de données pour évaluer les seuils</a:t>
+            </a:r>
           </a:p>
           <a:p>
             <a:pPr lvl="1"/>
@@ -5381,7 +5311,7 @@
           <a:lstStyle/>
           <a:p>
             <a:r>
-              <a:rPr lang="fr-FR" dirty="0" err="1" smtClean="0"/>
+              <a:rPr lang="fr-FR" dirty="0" err="1"/>
               <a:t>Pruning</a:t>
             </a:r>
             <a:endParaRPr lang="fr-FR" dirty="0"/>
@@ -5404,15 +5334,15 @@
           <a:lstStyle/>
           <a:p>
             <a:r>
-              <a:rPr lang="fr-FR" dirty="0" smtClean="0"/>
+              <a:rPr lang="fr-FR" dirty="0"/>
               <a:t>Le </a:t>
             </a:r>
             <a:r>
-              <a:rPr lang="fr-FR" dirty="0" err="1" smtClean="0"/>
+              <a:rPr lang="fr-FR" dirty="0" err="1"/>
               <a:t>Pruning</a:t>
             </a:r>
             <a:r>
-              <a:rPr lang="fr-FR" dirty="0" smtClean="0"/>
+              <a:rPr lang="fr-FR" dirty="0"/>
               <a:t> est une méthode TF pour élaguer les poids proches de 0</a:t>
             </a:r>
           </a:p>
@@ -5420,35 +5350,31 @@
             <a:pPr lvl="1"/>
             <a:r>
               <a:rPr lang="fr-FR" dirty="0"/>
-              <a:t>Constat : les poids proches de 0 participent peu au </a:t>
-            </a:r>
-            <a:r>
-              <a:rPr lang="fr-FR" dirty="0" smtClean="0"/>
-              <a:t>résultat</a:t>
+              <a:t>Constat : les poids proches de 0 participent peu au résultat</a:t>
             </a:r>
           </a:p>
           <a:p>
             <a:pPr lvl="1"/>
             <a:r>
-              <a:rPr lang="fr-FR" dirty="0" err="1" smtClean="0"/>
+              <a:rPr lang="fr-FR" dirty="0" err="1"/>
               <a:t>DropConnect</a:t>
             </a:r>
             <a:r>
-              <a:rPr lang="fr-FR" dirty="0" smtClean="0"/>
+              <a:rPr lang="fr-FR" dirty="0"/>
               <a:t> permanent</a:t>
             </a:r>
           </a:p>
           <a:p>
             <a:pPr lvl="1"/>
             <a:r>
-              <a:rPr lang="fr-FR" dirty="0" smtClean="0"/>
+              <a:rPr lang="fr-FR" dirty="0"/>
               <a:t>Un poids exactement = 0 n'évoluera plus</a:t>
             </a:r>
           </a:p>
           <a:p>
             <a:pPr lvl="1"/>
             <a:r>
-              <a:rPr lang="fr-FR" dirty="0" smtClean="0"/>
+              <a:rPr lang="fr-FR" dirty="0"/>
               <a:t>D'abord les poids &lt; 0.1 puis augment avec le temps</a:t>
             </a:r>
           </a:p>

--- a/PPT/DeepLearning16-Optimizations.pptx
+++ b/PPT/DeepLearning16-Optimizations.pptx
@@ -5226,7 +5226,7 @@
           <a:p>
             <a:r>
               <a:rPr lang="fr-FR" dirty="0"/>
-              <a:t>Il possible de </a:t>
+              <a:t>Il possible de ne pas </a:t>
             </a:r>
             <a:r>
               <a:rPr lang="fr-FR" dirty="0" err="1"/>
@@ -5234,14 +5234,7 @@
             </a:r>
             <a:r>
               <a:rPr lang="fr-FR" dirty="0"/>
-              <a:t> également les fonctions d'activation</a:t>
-            </a:r>
-          </a:p>
-          <a:p>
-            <a:pPr lvl="1"/>
-            <a:r>
-              <a:rPr lang="fr-FR" dirty="0"/>
-              <a:t>Nécessite un jeux de données pour évaluer les seuils</a:t>
+              <a:t> les fonctions d'activation</a:t>
             </a:r>
           </a:p>
           <a:p>

--- a/PPT/DeepLearning16-Optimizations.pptx
+++ b/PPT/DeepLearning16-Optimizations.pptx
@@ -5020,7 +5020,7 @@
             <a:pPr lvl="1"/>
             <a:r>
               <a:rPr lang="fr-FR" sz="2000" dirty="0"/>
-              <a:t>Gain de rapidité de 4 sur GPU</a:t>
+              <a:t>Gain de rapidité de 8 sur GPU</a:t>
             </a:r>
           </a:p>
           <a:p>
@@ -5368,7 +5368,7 @@
             <a:pPr lvl="1"/>
             <a:r>
               <a:rPr lang="fr-FR" dirty="0"/>
-              <a:t>D'abord les poids &lt; 0.1 puis augment avec le temps</a:t>
+              <a:t>D'abord les poids &lt; 0.1 puis augmente avec le temps</a:t>
             </a:r>
           </a:p>
           <a:p>

--- a/PPT/DeepLearning16-Optimizations.pptx
+++ b/PPT/DeepLearning16-Optimizations.pptx
@@ -4436,13 +4436,6 @@
             <a:pPr lvl="1"/>
             <a:r>
               <a:rPr lang="fr-FR" dirty="0"/>
-              <a:t>Apprentissage (peu utilisé)</a:t>
-            </a:r>
-          </a:p>
-          <a:p>
-            <a:pPr lvl="1"/>
-            <a:r>
-              <a:rPr lang="fr-FR" dirty="0"/>
               <a:t>Inférence</a:t>
             </a:r>
           </a:p>
@@ -5226,11 +5219,11 @@
           <a:p>
             <a:r>
               <a:rPr lang="fr-FR" dirty="0"/>
-              <a:t>Il possible de ne pas </a:t>
-            </a:r>
-            <a:r>
-              <a:rPr lang="fr-FR" dirty="0" err="1"/>
-              <a:t>quantiser</a:t>
+              <a:t>Il possible </a:t>
+            </a:r>
+            <a:r>
+              <a:rPr lang="fr-FR"/>
+              <a:t>de quantiser</a:t>
             </a:r>
             <a:r>
               <a:rPr lang="fr-FR" dirty="0"/>

--- a/PPT/DeepLearning16-Optimizations.pptx
+++ b/PPT/DeepLearning16-Optimizations.pptx
@@ -5219,11 +5219,11 @@
           <a:p>
             <a:r>
               <a:rPr lang="fr-FR" dirty="0"/>
-              <a:t>Il possible </a:t>
-            </a:r>
-            <a:r>
-              <a:rPr lang="fr-FR"/>
-              <a:t>de quantiser</a:t>
+              <a:t>Il possible de </a:t>
+            </a:r>
+            <a:r>
+              <a:rPr lang="fr-FR" dirty="0" err="1"/>
+              <a:t>quantiser</a:t>
             </a:r>
             <a:r>
               <a:rPr lang="fr-FR" dirty="0"/>
